--- a/agape retreat/jonathan.pptx
+++ b/agape retreat/jonathan.pptx
@@ -2,7 +2,7 @@
 <file path=ppt/presentation.xml><?xml version="1.0" encoding="utf-8"?>
 <p:presentation xmlns:a="http://schemas.openxmlformats.org/drawingml/2006/main" xmlns:r="http://schemas.openxmlformats.org/officeDocument/2006/relationships" xmlns:p="http://schemas.openxmlformats.org/presentationml/2006/main" saveSubsetFonts="1">
   <p:sldMasterIdLst>
-    <p:sldMasterId id="2147483648" r:id="rId1"/>
+    <p:sldMasterId id="2147483661" r:id="rId1"/>
   </p:sldMasterIdLst>
   <p:sldIdLst>
     <p:sldId id="256" r:id="rId2"/>
@@ -132,6 +132,11 @@
       </a:defRPr>
     </a:lvl9pPr>
   </p:defaultTextStyle>
+  <p:extLst>
+    <p:ext uri="{EFAFB233-063F-42B5-8137-9DF3F51BA10A}">
+      <p15:sldGuideLst xmlns:p15="http://schemas.microsoft.com/office/powerpoint/2012/main"/>
+    </p:ext>
+  </p:extLst>
 </p:presentation>
 </file>
 
@@ -154,13 +159,7 @@
       </p:grpSpPr>
       <p:sp>
         <p:nvSpPr>
-          <p:cNvPr id="2" name="Title 1">
-            <a:extLst>
-              <a:ext uri="{FF2B5EF4-FFF2-40B4-BE49-F238E27FC236}">
-                <a16:creationId xmlns:a16="http://schemas.microsoft.com/office/drawing/2014/main" id="{B2932E8B-8BCD-4474-9D33-87E938FA12E7}"/>
-              </a:ext>
-            </a:extLst>
-          </p:cNvPr>
+          <p:cNvPr id="2" name="Title 1"/>
           <p:cNvSpPr>
             <a:spLocks noGrp="1"/>
           </p:cNvSpPr>
@@ -186,18 +185,13 @@
               <a:rPr lang="en-US"/>
               <a:t>Click to edit Master title style</a:t>
             </a:r>
-          </a:p>
-        </p:txBody>
-      </p:sp>
-      <p:sp>
-        <p:nvSpPr>
-          <p:cNvPr id="3" name="Subtitle 2">
-            <a:extLst>
-              <a:ext uri="{FF2B5EF4-FFF2-40B4-BE49-F238E27FC236}">
-                <a16:creationId xmlns:a16="http://schemas.microsoft.com/office/drawing/2014/main" id="{71836949-63B4-4609-93B9-1C0D3B5B7302}"/>
-              </a:ext>
-            </a:extLst>
-          </p:cNvPr>
+            <a:endParaRPr lang="en-US" dirty="0"/>
+          </a:p>
+        </p:txBody>
+      </p:sp>
+      <p:sp>
+        <p:nvSpPr>
+          <p:cNvPr id="3" name="Subtitle 2"/>
           <p:cNvSpPr>
             <a:spLocks noGrp="1"/>
           </p:cNvSpPr>
@@ -256,18 +250,13 @@
               <a:rPr lang="en-US"/>
               <a:t>Click to edit Master subtitle style</a:t>
             </a:r>
-          </a:p>
-        </p:txBody>
-      </p:sp>
-      <p:sp>
-        <p:nvSpPr>
-          <p:cNvPr id="4" name="Date Placeholder 3">
-            <a:extLst>
-              <a:ext uri="{FF2B5EF4-FFF2-40B4-BE49-F238E27FC236}">
-                <a16:creationId xmlns:a16="http://schemas.microsoft.com/office/drawing/2014/main" id="{3D5BE651-B178-4A15-A6B0-E0981AFE31DB}"/>
-              </a:ext>
-            </a:extLst>
-          </p:cNvPr>
+            <a:endParaRPr lang="en-US" dirty="0"/>
+          </a:p>
+        </p:txBody>
+      </p:sp>
+      <p:sp>
+        <p:nvSpPr>
+          <p:cNvPr id="4" name="Date Placeholder 3"/>
           <p:cNvSpPr>
             <a:spLocks noGrp="1"/>
           </p:cNvSpPr>
@@ -282,7 +271,7 @@
           <a:p>
             <a:fld id="{40938BAB-1D93-430F-940B-8D8E865CD043}" type="datetimeFigureOut">
               <a:rPr lang="en-US" smtClean="0"/>
-              <a:t>7/3/2018</a:t>
+              <a:t>7/7/18</a:t>
             </a:fld>
             <a:endParaRPr lang="en-US"/>
           </a:p>
@@ -290,13 +279,7 @@
       </p:sp>
       <p:sp>
         <p:nvSpPr>
-          <p:cNvPr id="5" name="Footer Placeholder 4">
-            <a:extLst>
-              <a:ext uri="{FF2B5EF4-FFF2-40B4-BE49-F238E27FC236}">
-                <a16:creationId xmlns:a16="http://schemas.microsoft.com/office/drawing/2014/main" id="{B474F123-4FD2-4741-8BCC-DD14C7032244}"/>
-              </a:ext>
-            </a:extLst>
-          </p:cNvPr>
+          <p:cNvPr id="5" name="Footer Placeholder 4"/>
           <p:cNvSpPr>
             <a:spLocks noGrp="1"/>
           </p:cNvSpPr>
@@ -315,13 +298,7 @@
       </p:sp>
       <p:sp>
         <p:nvSpPr>
-          <p:cNvPr id="6" name="Slide Number Placeholder 5">
-            <a:extLst>
-              <a:ext uri="{FF2B5EF4-FFF2-40B4-BE49-F238E27FC236}">
-                <a16:creationId xmlns:a16="http://schemas.microsoft.com/office/drawing/2014/main" id="{43F0D317-E69E-48AC-B4AB-5F19199E6C20}"/>
-              </a:ext>
-            </a:extLst>
-          </p:cNvPr>
+          <p:cNvPr id="6" name="Slide Number Placeholder 5"/>
           <p:cNvSpPr>
             <a:spLocks noGrp="1"/>
           </p:cNvSpPr>
@@ -345,7 +322,7 @@
     </p:spTree>
     <p:extLst>
       <p:ext uri="{BB962C8B-B14F-4D97-AF65-F5344CB8AC3E}">
-        <p14:creationId xmlns:p14="http://schemas.microsoft.com/office/powerpoint/2010/main" val="2295091770"/>
+        <p14:creationId xmlns:p14="http://schemas.microsoft.com/office/powerpoint/2010/main" val="1172924390"/>
       </p:ext>
     </p:extLst>
   </p:cSld>
@@ -374,13 +351,7 @@
       </p:grpSpPr>
       <p:sp>
         <p:nvSpPr>
-          <p:cNvPr id="2" name="Title 1">
-            <a:extLst>
-              <a:ext uri="{FF2B5EF4-FFF2-40B4-BE49-F238E27FC236}">
-                <a16:creationId xmlns:a16="http://schemas.microsoft.com/office/drawing/2014/main" id="{BC11EF7F-CF1F-4D36-918B-47E326A68E85}"/>
-              </a:ext>
-            </a:extLst>
-          </p:cNvPr>
+          <p:cNvPr id="2" name="Title 1"/>
           <p:cNvSpPr>
             <a:spLocks noGrp="1"/>
           </p:cNvSpPr>
@@ -397,18 +368,13 @@
               <a:rPr lang="en-US"/>
               <a:t>Click to edit Master title style</a:t>
             </a:r>
-          </a:p>
-        </p:txBody>
-      </p:sp>
-      <p:sp>
-        <p:nvSpPr>
-          <p:cNvPr id="3" name="Vertical Text Placeholder 2">
-            <a:extLst>
-              <a:ext uri="{FF2B5EF4-FFF2-40B4-BE49-F238E27FC236}">
-                <a16:creationId xmlns:a16="http://schemas.microsoft.com/office/drawing/2014/main" id="{070B37A1-14E5-4EC7-91CC-9FB694CE7CD9}"/>
-              </a:ext>
-            </a:extLst>
-          </p:cNvPr>
+            <a:endParaRPr lang="en-US" dirty="0"/>
+          </a:p>
+        </p:txBody>
+      </p:sp>
+      <p:sp>
+        <p:nvSpPr>
+          <p:cNvPr id="3" name="Vertical Text Placeholder 2"/>
           <p:cNvSpPr>
             <a:spLocks noGrp="1"/>
           </p:cNvSpPr>
@@ -454,18 +420,13 @@
               <a:rPr lang="en-US"/>
               <a:t>Fifth level</a:t>
             </a:r>
-          </a:p>
-        </p:txBody>
-      </p:sp>
-      <p:sp>
-        <p:nvSpPr>
-          <p:cNvPr id="4" name="Date Placeholder 3">
-            <a:extLst>
-              <a:ext uri="{FF2B5EF4-FFF2-40B4-BE49-F238E27FC236}">
-                <a16:creationId xmlns:a16="http://schemas.microsoft.com/office/drawing/2014/main" id="{1D8216F7-8396-44A1-9BFC-3B07242F611B}"/>
-              </a:ext>
-            </a:extLst>
-          </p:cNvPr>
+            <a:endParaRPr lang="en-US" dirty="0"/>
+          </a:p>
+        </p:txBody>
+      </p:sp>
+      <p:sp>
+        <p:nvSpPr>
+          <p:cNvPr id="4" name="Date Placeholder 3"/>
           <p:cNvSpPr>
             <a:spLocks noGrp="1"/>
           </p:cNvSpPr>
@@ -480,7 +441,7 @@
           <a:p>
             <a:fld id="{40938BAB-1D93-430F-940B-8D8E865CD043}" type="datetimeFigureOut">
               <a:rPr lang="en-US" smtClean="0"/>
-              <a:t>7/3/2018</a:t>
+              <a:t>7/7/18</a:t>
             </a:fld>
             <a:endParaRPr lang="en-US"/>
           </a:p>
@@ -488,13 +449,7 @@
       </p:sp>
       <p:sp>
         <p:nvSpPr>
-          <p:cNvPr id="5" name="Footer Placeholder 4">
-            <a:extLst>
-              <a:ext uri="{FF2B5EF4-FFF2-40B4-BE49-F238E27FC236}">
-                <a16:creationId xmlns:a16="http://schemas.microsoft.com/office/drawing/2014/main" id="{8275E273-1716-4D33-83FE-8E3A8393CF06}"/>
-              </a:ext>
-            </a:extLst>
-          </p:cNvPr>
+          <p:cNvPr id="5" name="Footer Placeholder 4"/>
           <p:cNvSpPr>
             <a:spLocks noGrp="1"/>
           </p:cNvSpPr>
@@ -513,13 +468,7 @@
       </p:sp>
       <p:sp>
         <p:nvSpPr>
-          <p:cNvPr id="6" name="Slide Number Placeholder 5">
-            <a:extLst>
-              <a:ext uri="{FF2B5EF4-FFF2-40B4-BE49-F238E27FC236}">
-                <a16:creationId xmlns:a16="http://schemas.microsoft.com/office/drawing/2014/main" id="{EAD5CE0E-354D-436F-B369-86E60CB99714}"/>
-              </a:ext>
-            </a:extLst>
-          </p:cNvPr>
+          <p:cNvPr id="6" name="Slide Number Placeholder 5"/>
           <p:cNvSpPr>
             <a:spLocks noGrp="1"/>
           </p:cNvSpPr>
@@ -543,7 +492,7 @@
     </p:spTree>
     <p:extLst>
       <p:ext uri="{BB962C8B-B14F-4D97-AF65-F5344CB8AC3E}">
-        <p14:creationId xmlns:p14="http://schemas.microsoft.com/office/powerpoint/2010/main" val="25971224"/>
+        <p14:creationId xmlns:p14="http://schemas.microsoft.com/office/powerpoint/2010/main" val="3315923782"/>
       </p:ext>
     </p:extLst>
   </p:cSld>
@@ -572,13 +521,7 @@
       </p:grpSpPr>
       <p:sp>
         <p:nvSpPr>
-          <p:cNvPr id="2" name="Vertical Title 1">
-            <a:extLst>
-              <a:ext uri="{FF2B5EF4-FFF2-40B4-BE49-F238E27FC236}">
-                <a16:creationId xmlns:a16="http://schemas.microsoft.com/office/drawing/2014/main" id="{10E5345C-3BCA-4C75-9E66-B402C46CC995}"/>
-              </a:ext>
-            </a:extLst>
-          </p:cNvPr>
+          <p:cNvPr id="2" name="Vertical Title 1"/>
           <p:cNvSpPr>
             <a:spLocks noGrp="1"/>
           </p:cNvSpPr>
@@ -600,18 +543,13 @@
               <a:rPr lang="en-US"/>
               <a:t>Click to edit Master title style</a:t>
             </a:r>
-          </a:p>
-        </p:txBody>
-      </p:sp>
-      <p:sp>
-        <p:nvSpPr>
-          <p:cNvPr id="3" name="Vertical Text Placeholder 2">
-            <a:extLst>
-              <a:ext uri="{FF2B5EF4-FFF2-40B4-BE49-F238E27FC236}">
-                <a16:creationId xmlns:a16="http://schemas.microsoft.com/office/drawing/2014/main" id="{CEF6DB90-576B-4E6E-9B93-2C80E4B0A425}"/>
-              </a:ext>
-            </a:extLst>
-          </p:cNvPr>
+            <a:endParaRPr lang="en-US" dirty="0"/>
+          </a:p>
+        </p:txBody>
+      </p:sp>
+      <p:sp>
+        <p:nvSpPr>
+          <p:cNvPr id="3" name="Vertical Text Placeholder 2"/>
           <p:cNvSpPr>
             <a:spLocks noGrp="1"/>
           </p:cNvSpPr>
@@ -662,18 +600,13 @@
               <a:rPr lang="en-US"/>
               <a:t>Fifth level</a:t>
             </a:r>
-          </a:p>
-        </p:txBody>
-      </p:sp>
-      <p:sp>
-        <p:nvSpPr>
-          <p:cNvPr id="4" name="Date Placeholder 3">
-            <a:extLst>
-              <a:ext uri="{FF2B5EF4-FFF2-40B4-BE49-F238E27FC236}">
-                <a16:creationId xmlns:a16="http://schemas.microsoft.com/office/drawing/2014/main" id="{3BAB0309-2393-46E2-882C-AD0240C9BF65}"/>
-              </a:ext>
-            </a:extLst>
-          </p:cNvPr>
+            <a:endParaRPr lang="en-US" dirty="0"/>
+          </a:p>
+        </p:txBody>
+      </p:sp>
+      <p:sp>
+        <p:nvSpPr>
+          <p:cNvPr id="4" name="Date Placeholder 3"/>
           <p:cNvSpPr>
             <a:spLocks noGrp="1"/>
           </p:cNvSpPr>
@@ -688,7 +621,7 @@
           <a:p>
             <a:fld id="{40938BAB-1D93-430F-940B-8D8E865CD043}" type="datetimeFigureOut">
               <a:rPr lang="en-US" smtClean="0"/>
-              <a:t>7/3/2018</a:t>
+              <a:t>7/7/18</a:t>
             </a:fld>
             <a:endParaRPr lang="en-US"/>
           </a:p>
@@ -696,13 +629,7 @@
       </p:sp>
       <p:sp>
         <p:nvSpPr>
-          <p:cNvPr id="5" name="Footer Placeholder 4">
-            <a:extLst>
-              <a:ext uri="{FF2B5EF4-FFF2-40B4-BE49-F238E27FC236}">
-                <a16:creationId xmlns:a16="http://schemas.microsoft.com/office/drawing/2014/main" id="{14EC6AC4-2AB3-4464-A048-CAE1AD6027E6}"/>
-              </a:ext>
-            </a:extLst>
-          </p:cNvPr>
+          <p:cNvPr id="5" name="Footer Placeholder 4"/>
           <p:cNvSpPr>
             <a:spLocks noGrp="1"/>
           </p:cNvSpPr>
@@ -721,13 +648,7 @@
       </p:sp>
       <p:sp>
         <p:nvSpPr>
-          <p:cNvPr id="6" name="Slide Number Placeholder 5">
-            <a:extLst>
-              <a:ext uri="{FF2B5EF4-FFF2-40B4-BE49-F238E27FC236}">
-                <a16:creationId xmlns:a16="http://schemas.microsoft.com/office/drawing/2014/main" id="{B77151DF-0C9E-48F8-A033-2CC792206244}"/>
-              </a:ext>
-            </a:extLst>
-          </p:cNvPr>
+          <p:cNvPr id="6" name="Slide Number Placeholder 5"/>
           <p:cNvSpPr>
             <a:spLocks noGrp="1"/>
           </p:cNvSpPr>
@@ -751,7 +672,7 @@
     </p:spTree>
     <p:extLst>
       <p:ext uri="{BB962C8B-B14F-4D97-AF65-F5344CB8AC3E}">
-        <p14:creationId xmlns:p14="http://schemas.microsoft.com/office/powerpoint/2010/main" val="1742062558"/>
+        <p14:creationId xmlns:p14="http://schemas.microsoft.com/office/powerpoint/2010/main" val="1887417844"/>
       </p:ext>
     </p:extLst>
   </p:cSld>
@@ -762,7 +683,7 @@
 </file>
 
 <file path=ppt/slideLayouts/slideLayout12.xml><?xml version="1.0" encoding="utf-8"?>
-<p:sldLayout xmlns:a="http://schemas.openxmlformats.org/drawingml/2006/main" xmlns:r="http://schemas.openxmlformats.org/officeDocument/2006/relationships" xmlns:p="http://schemas.openxmlformats.org/presentationml/2006/main" type="tx" preserve="1">
+<p:sldLayout xmlns:a="http://schemas.openxmlformats.org/drawingml/2006/main" xmlns:r="http://schemas.openxmlformats.org/officeDocument/2006/relationships" xmlns:p="http://schemas.openxmlformats.org/presentationml/2006/main" type="tx">
   <p:cSld name="Title and Text">
     <p:spTree>
       <p:nvGrpSpPr>
@@ -797,10 +718,16 @@
         <p:spPr/>
         <p:txBody>
           <a:bodyPr/>
-          <a:lstStyle/>
-          <a:p>
-            <a:r>
-              <a:rPr lang="en-US"/>
+          <a:lstStyle>
+            <a:lvl1pPr>
+              <a:defRPr>
+                <a:latin typeface="Century Gothic" panose="020B0502020202020204" pitchFamily="34" charset="0"/>
+              </a:defRPr>
+            </a:lvl1pPr>
+          </a:lstStyle>
+          <a:p>
+            <a:r>
+              <a:rPr lang="en-US" dirty="0"/>
               <a:t>Click to edit Master title style</a:t>
             </a:r>
           </a:p>
@@ -824,40 +751,69 @@
         </p:nvSpPr>
         <p:spPr/>
         <p:txBody>
-          <a:bodyPr/>
-          <a:lstStyle/>
-          <a:p>
-            <a:pPr lvl="0"/>
-            <a:r>
-              <a:rPr lang="en-US"/>
+          <a:bodyPr>
+            <a:normAutofit/>
+          </a:bodyPr>
+          <a:lstStyle>
+            <a:lvl1pPr marL="0" indent="0">
+              <a:buNone/>
+              <a:defRPr sz="3600">
+                <a:latin typeface="Century Gothic" panose="020B0502020202020204" pitchFamily="34" charset="0"/>
+              </a:defRPr>
+            </a:lvl1pPr>
+            <a:lvl2pPr>
+              <a:defRPr sz="3200">
+                <a:latin typeface="Century Gothic" panose="020B0502020202020204" pitchFamily="34" charset="0"/>
+              </a:defRPr>
+            </a:lvl2pPr>
+            <a:lvl3pPr>
+              <a:defRPr sz="2800">
+                <a:latin typeface="Century Gothic" panose="020B0502020202020204" pitchFamily="34" charset="0"/>
+              </a:defRPr>
+            </a:lvl3pPr>
+            <a:lvl4pPr>
+              <a:defRPr sz="2400">
+                <a:latin typeface="Century Gothic" panose="020B0502020202020204" pitchFamily="34" charset="0"/>
+              </a:defRPr>
+            </a:lvl4pPr>
+            <a:lvl5pPr>
+              <a:defRPr sz="2400">
+                <a:latin typeface="Century Gothic" panose="020B0502020202020204" pitchFamily="34" charset="0"/>
+              </a:defRPr>
+            </a:lvl5pPr>
+          </a:lstStyle>
+          <a:p>
+            <a:pPr lvl="0"/>
+            <a:r>
+              <a:rPr lang="en-US" dirty="0"/>
               <a:t>Edit Master text styles</a:t>
             </a:r>
           </a:p>
           <a:p>
             <a:pPr lvl="1"/>
             <a:r>
-              <a:rPr lang="en-US"/>
+              <a:rPr lang="en-US" dirty="0"/>
               <a:t>Second level</a:t>
             </a:r>
           </a:p>
           <a:p>
             <a:pPr lvl="2"/>
             <a:r>
-              <a:rPr lang="en-US"/>
+              <a:rPr lang="en-US" dirty="0"/>
               <a:t>Third level</a:t>
             </a:r>
           </a:p>
           <a:p>
             <a:pPr lvl="3"/>
             <a:r>
-              <a:rPr lang="en-US"/>
+              <a:rPr lang="en-US" dirty="0"/>
               <a:t>Fourth level</a:t>
             </a:r>
           </a:p>
           <a:p>
             <a:pPr lvl="4"/>
             <a:r>
-              <a:rPr lang="en-US"/>
+              <a:rPr lang="en-US" dirty="0"/>
               <a:t>Fifth level</a:t>
             </a:r>
           </a:p>
@@ -886,7 +842,7 @@
           <a:p>
             <a:fld id="{40938BAB-1D93-430F-940B-8D8E865CD043}" type="datetimeFigureOut">
               <a:rPr lang="en-US" smtClean="0"/>
-              <a:t>7/3/2018</a:t>
+              <a:t>7/7/18</a:t>
             </a:fld>
             <a:endParaRPr lang="en-US"/>
           </a:p>
@@ -949,7 +905,7 @@
     </p:spTree>
     <p:extLst>
       <p:ext uri="{BB962C8B-B14F-4D97-AF65-F5344CB8AC3E}">
-        <p14:creationId xmlns:p14="http://schemas.microsoft.com/office/powerpoint/2010/main" val="2196774201"/>
+        <p14:creationId xmlns:p14="http://schemas.microsoft.com/office/powerpoint/2010/main" val="201814076"/>
       </p:ext>
     </p:extLst>
   </p:cSld>
@@ -978,13 +934,7 @@
       </p:grpSpPr>
       <p:sp>
         <p:nvSpPr>
-          <p:cNvPr id="2" name="Title 1">
-            <a:extLst>
-              <a:ext uri="{FF2B5EF4-FFF2-40B4-BE49-F238E27FC236}">
-                <a16:creationId xmlns:a16="http://schemas.microsoft.com/office/drawing/2014/main" id="{7384388D-7687-46AA-90DA-BA339F60B68C}"/>
-              </a:ext>
-            </a:extLst>
-          </p:cNvPr>
+          <p:cNvPr id="2" name="Title 1"/>
           <p:cNvSpPr>
             <a:spLocks noGrp="1"/>
           </p:cNvSpPr>
@@ -1001,18 +951,13 @@
               <a:rPr lang="en-US"/>
               <a:t>Click to edit Master title style</a:t>
             </a:r>
-          </a:p>
-        </p:txBody>
-      </p:sp>
-      <p:sp>
-        <p:nvSpPr>
-          <p:cNvPr id="3" name="Content Placeholder 2">
-            <a:extLst>
-              <a:ext uri="{FF2B5EF4-FFF2-40B4-BE49-F238E27FC236}">
-                <a16:creationId xmlns:a16="http://schemas.microsoft.com/office/drawing/2014/main" id="{2E60A184-479C-4ABD-BFF3-8E1793AAF9D1}"/>
-              </a:ext>
-            </a:extLst>
-          </p:cNvPr>
+            <a:endParaRPr lang="en-US" dirty="0"/>
+          </a:p>
+        </p:txBody>
+      </p:sp>
+      <p:sp>
+        <p:nvSpPr>
+          <p:cNvPr id="3" name="Content Placeholder 2"/>
           <p:cNvSpPr>
             <a:spLocks noGrp="1"/>
           </p:cNvSpPr>
@@ -1058,18 +1003,13 @@
               <a:rPr lang="en-US"/>
               <a:t>Fifth level</a:t>
             </a:r>
-          </a:p>
-        </p:txBody>
-      </p:sp>
-      <p:sp>
-        <p:nvSpPr>
-          <p:cNvPr id="4" name="Date Placeholder 3">
-            <a:extLst>
-              <a:ext uri="{FF2B5EF4-FFF2-40B4-BE49-F238E27FC236}">
-                <a16:creationId xmlns:a16="http://schemas.microsoft.com/office/drawing/2014/main" id="{F24ECCBA-734E-411F-9BD6-421CED8EF682}"/>
-              </a:ext>
-            </a:extLst>
-          </p:cNvPr>
+            <a:endParaRPr lang="en-US" dirty="0"/>
+          </a:p>
+        </p:txBody>
+      </p:sp>
+      <p:sp>
+        <p:nvSpPr>
+          <p:cNvPr id="4" name="Date Placeholder 3"/>
           <p:cNvSpPr>
             <a:spLocks noGrp="1"/>
           </p:cNvSpPr>
@@ -1084,7 +1024,7 @@
           <a:p>
             <a:fld id="{40938BAB-1D93-430F-940B-8D8E865CD043}" type="datetimeFigureOut">
               <a:rPr lang="en-US" smtClean="0"/>
-              <a:t>7/3/2018</a:t>
+              <a:t>7/7/18</a:t>
             </a:fld>
             <a:endParaRPr lang="en-US"/>
           </a:p>
@@ -1092,13 +1032,7 @@
       </p:sp>
       <p:sp>
         <p:nvSpPr>
-          <p:cNvPr id="5" name="Footer Placeholder 4">
-            <a:extLst>
-              <a:ext uri="{FF2B5EF4-FFF2-40B4-BE49-F238E27FC236}">
-                <a16:creationId xmlns:a16="http://schemas.microsoft.com/office/drawing/2014/main" id="{4D0DD69D-6EEE-415D-87C0-CFAF5C83CCFF}"/>
-              </a:ext>
-            </a:extLst>
-          </p:cNvPr>
+          <p:cNvPr id="5" name="Footer Placeholder 4"/>
           <p:cNvSpPr>
             <a:spLocks noGrp="1"/>
           </p:cNvSpPr>
@@ -1117,13 +1051,7 @@
       </p:sp>
       <p:sp>
         <p:nvSpPr>
-          <p:cNvPr id="6" name="Slide Number Placeholder 5">
-            <a:extLst>
-              <a:ext uri="{FF2B5EF4-FFF2-40B4-BE49-F238E27FC236}">
-                <a16:creationId xmlns:a16="http://schemas.microsoft.com/office/drawing/2014/main" id="{14D0BA29-52F3-4018-A219-F1306CDD5F11}"/>
-              </a:ext>
-            </a:extLst>
-          </p:cNvPr>
+          <p:cNvPr id="6" name="Slide Number Placeholder 5"/>
           <p:cNvSpPr>
             <a:spLocks noGrp="1"/>
           </p:cNvSpPr>
@@ -1147,7 +1075,7 @@
     </p:spTree>
     <p:extLst>
       <p:ext uri="{BB962C8B-B14F-4D97-AF65-F5344CB8AC3E}">
-        <p14:creationId xmlns:p14="http://schemas.microsoft.com/office/powerpoint/2010/main" val="3855490792"/>
+        <p14:creationId xmlns:p14="http://schemas.microsoft.com/office/powerpoint/2010/main" val="355851119"/>
       </p:ext>
     </p:extLst>
   </p:cSld>
@@ -1176,13 +1104,7 @@
       </p:grpSpPr>
       <p:sp>
         <p:nvSpPr>
-          <p:cNvPr id="2" name="Title 1">
-            <a:extLst>
-              <a:ext uri="{FF2B5EF4-FFF2-40B4-BE49-F238E27FC236}">
-                <a16:creationId xmlns:a16="http://schemas.microsoft.com/office/drawing/2014/main" id="{831F3287-075F-4971-8EB0-F9DDCAF05295}"/>
-              </a:ext>
-            </a:extLst>
-          </p:cNvPr>
+          <p:cNvPr id="2" name="Title 1"/>
           <p:cNvSpPr>
             <a:spLocks noGrp="1"/>
           </p:cNvSpPr>
@@ -1208,18 +1130,13 @@
               <a:rPr lang="en-US"/>
               <a:t>Click to edit Master title style</a:t>
             </a:r>
-          </a:p>
-        </p:txBody>
-      </p:sp>
-      <p:sp>
-        <p:nvSpPr>
-          <p:cNvPr id="3" name="Text Placeholder 2">
-            <a:extLst>
-              <a:ext uri="{FF2B5EF4-FFF2-40B4-BE49-F238E27FC236}">
-                <a16:creationId xmlns:a16="http://schemas.microsoft.com/office/drawing/2014/main" id="{FBDCA3CF-9F24-49EF-9F61-DAE53A7FAB2B}"/>
-              </a:ext>
-            </a:extLst>
-          </p:cNvPr>
+            <a:endParaRPr lang="en-US" dirty="0"/>
+          </a:p>
+        </p:txBody>
+      </p:sp>
+      <p:sp>
+        <p:nvSpPr>
+          <p:cNvPr id="3" name="Text Placeholder 2"/>
           <p:cNvSpPr>
             <a:spLocks noGrp="1"/>
           </p:cNvSpPr>
@@ -1338,13 +1255,7 @@
       </p:sp>
       <p:sp>
         <p:nvSpPr>
-          <p:cNvPr id="4" name="Date Placeholder 3">
-            <a:extLst>
-              <a:ext uri="{FF2B5EF4-FFF2-40B4-BE49-F238E27FC236}">
-                <a16:creationId xmlns:a16="http://schemas.microsoft.com/office/drawing/2014/main" id="{896526E0-2A22-4CDC-90A5-482FCA7902E4}"/>
-              </a:ext>
-            </a:extLst>
-          </p:cNvPr>
+          <p:cNvPr id="4" name="Date Placeholder 3"/>
           <p:cNvSpPr>
             <a:spLocks noGrp="1"/>
           </p:cNvSpPr>
@@ -1359,7 +1270,7 @@
           <a:p>
             <a:fld id="{40938BAB-1D93-430F-940B-8D8E865CD043}" type="datetimeFigureOut">
               <a:rPr lang="en-US" smtClean="0"/>
-              <a:t>7/3/2018</a:t>
+              <a:t>7/7/18</a:t>
             </a:fld>
             <a:endParaRPr lang="en-US"/>
           </a:p>
@@ -1367,13 +1278,7 @@
       </p:sp>
       <p:sp>
         <p:nvSpPr>
-          <p:cNvPr id="5" name="Footer Placeholder 4">
-            <a:extLst>
-              <a:ext uri="{FF2B5EF4-FFF2-40B4-BE49-F238E27FC236}">
-                <a16:creationId xmlns:a16="http://schemas.microsoft.com/office/drawing/2014/main" id="{DF78107D-92B3-45A9-AA4C-58E9C094721B}"/>
-              </a:ext>
-            </a:extLst>
-          </p:cNvPr>
+          <p:cNvPr id="5" name="Footer Placeholder 4"/>
           <p:cNvSpPr>
             <a:spLocks noGrp="1"/>
           </p:cNvSpPr>
@@ -1392,13 +1297,7 @@
       </p:sp>
       <p:sp>
         <p:nvSpPr>
-          <p:cNvPr id="6" name="Slide Number Placeholder 5">
-            <a:extLst>
-              <a:ext uri="{FF2B5EF4-FFF2-40B4-BE49-F238E27FC236}">
-                <a16:creationId xmlns:a16="http://schemas.microsoft.com/office/drawing/2014/main" id="{1D4BDE93-3CC8-43D2-8ED0-86E3D9D0B02C}"/>
-              </a:ext>
-            </a:extLst>
-          </p:cNvPr>
+          <p:cNvPr id="6" name="Slide Number Placeholder 5"/>
           <p:cNvSpPr>
             <a:spLocks noGrp="1"/>
           </p:cNvSpPr>
@@ -1422,7 +1321,7 @@
     </p:spTree>
     <p:extLst>
       <p:ext uri="{BB962C8B-B14F-4D97-AF65-F5344CB8AC3E}">
-        <p14:creationId xmlns:p14="http://schemas.microsoft.com/office/powerpoint/2010/main" val="425076733"/>
+        <p14:creationId xmlns:p14="http://schemas.microsoft.com/office/powerpoint/2010/main" val="2250022334"/>
       </p:ext>
     </p:extLst>
   </p:cSld>
@@ -1451,13 +1350,7 @@
       </p:grpSpPr>
       <p:sp>
         <p:nvSpPr>
-          <p:cNvPr id="2" name="Title 1">
-            <a:extLst>
-              <a:ext uri="{FF2B5EF4-FFF2-40B4-BE49-F238E27FC236}">
-                <a16:creationId xmlns:a16="http://schemas.microsoft.com/office/drawing/2014/main" id="{6E8D2573-D178-4140-8D3F-2595B85A62BF}"/>
-              </a:ext>
-            </a:extLst>
-          </p:cNvPr>
+          <p:cNvPr id="2" name="Title 1"/>
           <p:cNvSpPr>
             <a:spLocks noGrp="1"/>
           </p:cNvSpPr>
@@ -1474,18 +1367,13 @@
               <a:rPr lang="en-US"/>
               <a:t>Click to edit Master title style</a:t>
             </a:r>
-          </a:p>
-        </p:txBody>
-      </p:sp>
-      <p:sp>
-        <p:nvSpPr>
-          <p:cNvPr id="3" name="Content Placeholder 2">
-            <a:extLst>
-              <a:ext uri="{FF2B5EF4-FFF2-40B4-BE49-F238E27FC236}">
-                <a16:creationId xmlns:a16="http://schemas.microsoft.com/office/drawing/2014/main" id="{5AA7CCC1-B007-4930-BBD9-F125A14A4788}"/>
-              </a:ext>
-            </a:extLst>
-          </p:cNvPr>
+            <a:endParaRPr lang="en-US" dirty="0"/>
+          </a:p>
+        </p:txBody>
+      </p:sp>
+      <p:sp>
+        <p:nvSpPr>
+          <p:cNvPr id="3" name="Content Placeholder 2"/>
           <p:cNvSpPr>
             <a:spLocks noGrp="1"/>
           </p:cNvSpPr>
@@ -1536,18 +1424,13 @@
               <a:rPr lang="en-US"/>
               <a:t>Fifth level</a:t>
             </a:r>
-          </a:p>
-        </p:txBody>
-      </p:sp>
-      <p:sp>
-        <p:nvSpPr>
-          <p:cNvPr id="4" name="Content Placeholder 3">
-            <a:extLst>
-              <a:ext uri="{FF2B5EF4-FFF2-40B4-BE49-F238E27FC236}">
-                <a16:creationId xmlns:a16="http://schemas.microsoft.com/office/drawing/2014/main" id="{B607F45D-D566-4741-9413-CA87F1E46F9E}"/>
-              </a:ext>
-            </a:extLst>
-          </p:cNvPr>
+            <a:endParaRPr lang="en-US" dirty="0"/>
+          </a:p>
+        </p:txBody>
+      </p:sp>
+      <p:sp>
+        <p:nvSpPr>
+          <p:cNvPr id="4" name="Content Placeholder 3"/>
           <p:cNvSpPr>
             <a:spLocks noGrp="1"/>
           </p:cNvSpPr>
@@ -1598,18 +1481,13 @@
               <a:rPr lang="en-US"/>
               <a:t>Fifth level</a:t>
             </a:r>
-          </a:p>
-        </p:txBody>
-      </p:sp>
-      <p:sp>
-        <p:nvSpPr>
-          <p:cNvPr id="5" name="Date Placeholder 4">
-            <a:extLst>
-              <a:ext uri="{FF2B5EF4-FFF2-40B4-BE49-F238E27FC236}">
-                <a16:creationId xmlns:a16="http://schemas.microsoft.com/office/drawing/2014/main" id="{F3E3A166-9682-4676-928A-27187121F26F}"/>
-              </a:ext>
-            </a:extLst>
-          </p:cNvPr>
+            <a:endParaRPr lang="en-US" dirty="0"/>
+          </a:p>
+        </p:txBody>
+      </p:sp>
+      <p:sp>
+        <p:nvSpPr>
+          <p:cNvPr id="5" name="Date Placeholder 4"/>
           <p:cNvSpPr>
             <a:spLocks noGrp="1"/>
           </p:cNvSpPr>
@@ -1624,7 +1502,7 @@
           <a:p>
             <a:fld id="{40938BAB-1D93-430F-940B-8D8E865CD043}" type="datetimeFigureOut">
               <a:rPr lang="en-US" smtClean="0"/>
-              <a:t>7/3/2018</a:t>
+              <a:t>7/7/18</a:t>
             </a:fld>
             <a:endParaRPr lang="en-US"/>
           </a:p>
@@ -1632,13 +1510,7 @@
       </p:sp>
       <p:sp>
         <p:nvSpPr>
-          <p:cNvPr id="6" name="Footer Placeholder 5">
-            <a:extLst>
-              <a:ext uri="{FF2B5EF4-FFF2-40B4-BE49-F238E27FC236}">
-                <a16:creationId xmlns:a16="http://schemas.microsoft.com/office/drawing/2014/main" id="{E73FC1F4-8762-4816-A366-E44EE807EAF2}"/>
-              </a:ext>
-            </a:extLst>
-          </p:cNvPr>
+          <p:cNvPr id="6" name="Footer Placeholder 5"/>
           <p:cNvSpPr>
             <a:spLocks noGrp="1"/>
           </p:cNvSpPr>
@@ -1657,13 +1529,7 @@
       </p:sp>
       <p:sp>
         <p:nvSpPr>
-          <p:cNvPr id="7" name="Slide Number Placeholder 6">
-            <a:extLst>
-              <a:ext uri="{FF2B5EF4-FFF2-40B4-BE49-F238E27FC236}">
-                <a16:creationId xmlns:a16="http://schemas.microsoft.com/office/drawing/2014/main" id="{3F87E834-8E2A-4B71-AAE5-505AA28A6A38}"/>
-              </a:ext>
-            </a:extLst>
-          </p:cNvPr>
+          <p:cNvPr id="7" name="Slide Number Placeholder 6"/>
           <p:cNvSpPr>
             <a:spLocks noGrp="1"/>
           </p:cNvSpPr>
@@ -1687,7 +1553,7 @@
     </p:spTree>
     <p:extLst>
       <p:ext uri="{BB962C8B-B14F-4D97-AF65-F5344CB8AC3E}">
-        <p14:creationId xmlns:p14="http://schemas.microsoft.com/office/powerpoint/2010/main" val="4055601909"/>
+        <p14:creationId xmlns:p14="http://schemas.microsoft.com/office/powerpoint/2010/main" val="1371933014"/>
       </p:ext>
     </p:extLst>
   </p:cSld>
@@ -1716,13 +1582,7 @@
       </p:grpSpPr>
       <p:sp>
         <p:nvSpPr>
-          <p:cNvPr id="2" name="Title 1">
-            <a:extLst>
-              <a:ext uri="{FF2B5EF4-FFF2-40B4-BE49-F238E27FC236}">
-                <a16:creationId xmlns:a16="http://schemas.microsoft.com/office/drawing/2014/main" id="{68ED241F-E055-4BC2-A850-ACE5EEF6D4D0}"/>
-              </a:ext>
-            </a:extLst>
-          </p:cNvPr>
+          <p:cNvPr id="2" name="Title 1"/>
           <p:cNvSpPr>
             <a:spLocks noGrp="1"/>
           </p:cNvSpPr>
@@ -1744,18 +1604,13 @@
               <a:rPr lang="en-US"/>
               <a:t>Click to edit Master title style</a:t>
             </a:r>
-          </a:p>
-        </p:txBody>
-      </p:sp>
-      <p:sp>
-        <p:nvSpPr>
-          <p:cNvPr id="3" name="Text Placeholder 2">
-            <a:extLst>
-              <a:ext uri="{FF2B5EF4-FFF2-40B4-BE49-F238E27FC236}">
-                <a16:creationId xmlns:a16="http://schemas.microsoft.com/office/drawing/2014/main" id="{2C9983D4-94DE-4F27-8058-AF55D0BC7548}"/>
-              </a:ext>
-            </a:extLst>
-          </p:cNvPr>
+            <a:endParaRPr lang="en-US" dirty="0"/>
+          </a:p>
+        </p:txBody>
+      </p:sp>
+      <p:sp>
+        <p:nvSpPr>
+          <p:cNvPr id="3" name="Text Placeholder 2"/>
           <p:cNvSpPr>
             <a:spLocks noGrp="1"/>
           </p:cNvSpPr>
@@ -1820,13 +1675,7 @@
       </p:sp>
       <p:sp>
         <p:nvSpPr>
-          <p:cNvPr id="4" name="Content Placeholder 3">
-            <a:extLst>
-              <a:ext uri="{FF2B5EF4-FFF2-40B4-BE49-F238E27FC236}">
-                <a16:creationId xmlns:a16="http://schemas.microsoft.com/office/drawing/2014/main" id="{1C1078DA-AF77-4E50-8E53-EBC6A4E6723A}"/>
-              </a:ext>
-            </a:extLst>
-          </p:cNvPr>
+          <p:cNvPr id="4" name="Content Placeholder 3"/>
           <p:cNvSpPr>
             <a:spLocks noGrp="1"/>
           </p:cNvSpPr>
@@ -1877,18 +1726,13 @@
               <a:rPr lang="en-US"/>
               <a:t>Fifth level</a:t>
             </a:r>
-          </a:p>
-        </p:txBody>
-      </p:sp>
-      <p:sp>
-        <p:nvSpPr>
-          <p:cNvPr id="5" name="Text Placeholder 4">
-            <a:extLst>
-              <a:ext uri="{FF2B5EF4-FFF2-40B4-BE49-F238E27FC236}">
-                <a16:creationId xmlns:a16="http://schemas.microsoft.com/office/drawing/2014/main" id="{D8F59A66-C98C-497A-854E-19C384151275}"/>
-              </a:ext>
-            </a:extLst>
-          </p:cNvPr>
+            <a:endParaRPr lang="en-US" dirty="0"/>
+          </a:p>
+        </p:txBody>
+      </p:sp>
+      <p:sp>
+        <p:nvSpPr>
+          <p:cNvPr id="5" name="Text Placeholder 4"/>
           <p:cNvSpPr>
             <a:spLocks noGrp="1"/>
           </p:cNvSpPr>
@@ -1953,13 +1797,7 @@
       </p:sp>
       <p:sp>
         <p:nvSpPr>
-          <p:cNvPr id="6" name="Content Placeholder 5">
-            <a:extLst>
-              <a:ext uri="{FF2B5EF4-FFF2-40B4-BE49-F238E27FC236}">
-                <a16:creationId xmlns:a16="http://schemas.microsoft.com/office/drawing/2014/main" id="{0CB335F3-879E-4CA9-B63D-3EDCF1299C7F}"/>
-              </a:ext>
-            </a:extLst>
-          </p:cNvPr>
+          <p:cNvPr id="6" name="Content Placeholder 5"/>
           <p:cNvSpPr>
             <a:spLocks noGrp="1"/>
           </p:cNvSpPr>
@@ -2010,18 +1848,13 @@
               <a:rPr lang="en-US"/>
               <a:t>Fifth level</a:t>
             </a:r>
-          </a:p>
-        </p:txBody>
-      </p:sp>
-      <p:sp>
-        <p:nvSpPr>
-          <p:cNvPr id="7" name="Date Placeholder 6">
-            <a:extLst>
-              <a:ext uri="{FF2B5EF4-FFF2-40B4-BE49-F238E27FC236}">
-                <a16:creationId xmlns:a16="http://schemas.microsoft.com/office/drawing/2014/main" id="{83818A59-1DE5-4EB3-BCCA-7FEC71727F4D}"/>
-              </a:ext>
-            </a:extLst>
-          </p:cNvPr>
+            <a:endParaRPr lang="en-US" dirty="0"/>
+          </a:p>
+        </p:txBody>
+      </p:sp>
+      <p:sp>
+        <p:nvSpPr>
+          <p:cNvPr id="7" name="Date Placeholder 6"/>
           <p:cNvSpPr>
             <a:spLocks noGrp="1"/>
           </p:cNvSpPr>
@@ -2036,7 +1869,7 @@
           <a:p>
             <a:fld id="{40938BAB-1D93-430F-940B-8D8E865CD043}" type="datetimeFigureOut">
               <a:rPr lang="en-US" smtClean="0"/>
-              <a:t>7/3/2018</a:t>
+              <a:t>7/7/18</a:t>
             </a:fld>
             <a:endParaRPr lang="en-US"/>
           </a:p>
@@ -2044,13 +1877,7 @@
       </p:sp>
       <p:sp>
         <p:nvSpPr>
-          <p:cNvPr id="8" name="Footer Placeholder 7">
-            <a:extLst>
-              <a:ext uri="{FF2B5EF4-FFF2-40B4-BE49-F238E27FC236}">
-                <a16:creationId xmlns:a16="http://schemas.microsoft.com/office/drawing/2014/main" id="{5574F4F2-751B-46C0-9435-01C3AE397CED}"/>
-              </a:ext>
-            </a:extLst>
-          </p:cNvPr>
+          <p:cNvPr id="8" name="Footer Placeholder 7"/>
           <p:cNvSpPr>
             <a:spLocks noGrp="1"/>
           </p:cNvSpPr>
@@ -2069,13 +1896,7 @@
       </p:sp>
       <p:sp>
         <p:nvSpPr>
-          <p:cNvPr id="9" name="Slide Number Placeholder 8">
-            <a:extLst>
-              <a:ext uri="{FF2B5EF4-FFF2-40B4-BE49-F238E27FC236}">
-                <a16:creationId xmlns:a16="http://schemas.microsoft.com/office/drawing/2014/main" id="{F890CC29-7D70-4CF2-BCC7-DE3C8C96909E}"/>
-              </a:ext>
-            </a:extLst>
-          </p:cNvPr>
+          <p:cNvPr id="9" name="Slide Number Placeholder 8"/>
           <p:cNvSpPr>
             <a:spLocks noGrp="1"/>
           </p:cNvSpPr>
@@ -2099,7 +1920,7 @@
     </p:spTree>
     <p:extLst>
       <p:ext uri="{BB962C8B-B14F-4D97-AF65-F5344CB8AC3E}">
-        <p14:creationId xmlns:p14="http://schemas.microsoft.com/office/powerpoint/2010/main" val="1444624553"/>
+        <p14:creationId xmlns:p14="http://schemas.microsoft.com/office/powerpoint/2010/main" val="2237644608"/>
       </p:ext>
     </p:extLst>
   </p:cSld>
@@ -2128,13 +1949,7 @@
       </p:grpSpPr>
       <p:sp>
         <p:nvSpPr>
-          <p:cNvPr id="2" name="Title 1">
-            <a:extLst>
-              <a:ext uri="{FF2B5EF4-FFF2-40B4-BE49-F238E27FC236}">
-                <a16:creationId xmlns:a16="http://schemas.microsoft.com/office/drawing/2014/main" id="{774CAF05-A417-4B82-8A87-204EFA295C35}"/>
-              </a:ext>
-            </a:extLst>
-          </p:cNvPr>
+          <p:cNvPr id="2" name="Title 1"/>
           <p:cNvSpPr>
             <a:spLocks noGrp="1"/>
           </p:cNvSpPr>
@@ -2151,18 +1966,13 @@
               <a:rPr lang="en-US"/>
               <a:t>Click to edit Master title style</a:t>
             </a:r>
-          </a:p>
-        </p:txBody>
-      </p:sp>
-      <p:sp>
-        <p:nvSpPr>
-          <p:cNvPr id="3" name="Date Placeholder 2">
-            <a:extLst>
-              <a:ext uri="{FF2B5EF4-FFF2-40B4-BE49-F238E27FC236}">
-                <a16:creationId xmlns:a16="http://schemas.microsoft.com/office/drawing/2014/main" id="{A35FC219-4023-4717-82F0-913F10ED98D3}"/>
-              </a:ext>
-            </a:extLst>
-          </p:cNvPr>
+            <a:endParaRPr lang="en-US" dirty="0"/>
+          </a:p>
+        </p:txBody>
+      </p:sp>
+      <p:sp>
+        <p:nvSpPr>
+          <p:cNvPr id="3" name="Date Placeholder 2"/>
           <p:cNvSpPr>
             <a:spLocks noGrp="1"/>
           </p:cNvSpPr>
@@ -2177,7 +1987,7 @@
           <a:p>
             <a:fld id="{40938BAB-1D93-430F-940B-8D8E865CD043}" type="datetimeFigureOut">
               <a:rPr lang="en-US" smtClean="0"/>
-              <a:t>7/3/2018</a:t>
+              <a:t>7/7/18</a:t>
             </a:fld>
             <a:endParaRPr lang="en-US"/>
           </a:p>
@@ -2185,13 +1995,7 @@
       </p:sp>
       <p:sp>
         <p:nvSpPr>
-          <p:cNvPr id="4" name="Footer Placeholder 3">
-            <a:extLst>
-              <a:ext uri="{FF2B5EF4-FFF2-40B4-BE49-F238E27FC236}">
-                <a16:creationId xmlns:a16="http://schemas.microsoft.com/office/drawing/2014/main" id="{58CFB416-CB02-4FD7-B10D-B7671BD99661}"/>
-              </a:ext>
-            </a:extLst>
-          </p:cNvPr>
+          <p:cNvPr id="4" name="Footer Placeholder 3"/>
           <p:cNvSpPr>
             <a:spLocks noGrp="1"/>
           </p:cNvSpPr>
@@ -2210,13 +2014,7 @@
       </p:sp>
       <p:sp>
         <p:nvSpPr>
-          <p:cNvPr id="5" name="Slide Number Placeholder 4">
-            <a:extLst>
-              <a:ext uri="{FF2B5EF4-FFF2-40B4-BE49-F238E27FC236}">
-                <a16:creationId xmlns:a16="http://schemas.microsoft.com/office/drawing/2014/main" id="{9F47991A-820E-44F6-A136-893E6F67C84C}"/>
-              </a:ext>
-            </a:extLst>
-          </p:cNvPr>
+          <p:cNvPr id="5" name="Slide Number Placeholder 4"/>
           <p:cNvSpPr>
             <a:spLocks noGrp="1"/>
           </p:cNvSpPr>
@@ -2240,7 +2038,7 @@
     </p:spTree>
     <p:extLst>
       <p:ext uri="{BB962C8B-B14F-4D97-AF65-F5344CB8AC3E}">
-        <p14:creationId xmlns:p14="http://schemas.microsoft.com/office/powerpoint/2010/main" val="1065330749"/>
+        <p14:creationId xmlns:p14="http://schemas.microsoft.com/office/powerpoint/2010/main" val="3700799061"/>
       </p:ext>
     </p:extLst>
   </p:cSld>
@@ -2269,13 +2067,7 @@
       </p:grpSpPr>
       <p:sp>
         <p:nvSpPr>
-          <p:cNvPr id="2" name="Date Placeholder 1">
-            <a:extLst>
-              <a:ext uri="{FF2B5EF4-FFF2-40B4-BE49-F238E27FC236}">
-                <a16:creationId xmlns:a16="http://schemas.microsoft.com/office/drawing/2014/main" id="{DD35D801-24F6-4E81-92B5-43EEC0ACA173}"/>
-              </a:ext>
-            </a:extLst>
-          </p:cNvPr>
+          <p:cNvPr id="2" name="Date Placeholder 1"/>
           <p:cNvSpPr>
             <a:spLocks noGrp="1"/>
           </p:cNvSpPr>
@@ -2290,7 +2082,7 @@
           <a:p>
             <a:fld id="{40938BAB-1D93-430F-940B-8D8E865CD043}" type="datetimeFigureOut">
               <a:rPr lang="en-US" smtClean="0"/>
-              <a:t>7/3/2018</a:t>
+              <a:t>7/7/18</a:t>
             </a:fld>
             <a:endParaRPr lang="en-US"/>
           </a:p>
@@ -2298,13 +2090,7 @@
       </p:sp>
       <p:sp>
         <p:nvSpPr>
-          <p:cNvPr id="3" name="Footer Placeholder 2">
-            <a:extLst>
-              <a:ext uri="{FF2B5EF4-FFF2-40B4-BE49-F238E27FC236}">
-                <a16:creationId xmlns:a16="http://schemas.microsoft.com/office/drawing/2014/main" id="{9CA707C7-650F-4743-B051-D53EBE841B1B}"/>
-              </a:ext>
-            </a:extLst>
-          </p:cNvPr>
+          <p:cNvPr id="3" name="Footer Placeholder 2"/>
           <p:cNvSpPr>
             <a:spLocks noGrp="1"/>
           </p:cNvSpPr>
@@ -2323,13 +2109,7 @@
       </p:sp>
       <p:sp>
         <p:nvSpPr>
-          <p:cNvPr id="4" name="Slide Number Placeholder 3">
-            <a:extLst>
-              <a:ext uri="{FF2B5EF4-FFF2-40B4-BE49-F238E27FC236}">
-                <a16:creationId xmlns:a16="http://schemas.microsoft.com/office/drawing/2014/main" id="{300F342F-C0D2-44FC-AE4F-75D2F792C3E6}"/>
-              </a:ext>
-            </a:extLst>
-          </p:cNvPr>
+          <p:cNvPr id="4" name="Slide Number Placeholder 3"/>
           <p:cNvSpPr>
             <a:spLocks noGrp="1"/>
           </p:cNvSpPr>
@@ -2353,7 +2133,7 @@
     </p:spTree>
     <p:extLst>
       <p:ext uri="{BB962C8B-B14F-4D97-AF65-F5344CB8AC3E}">
-        <p14:creationId xmlns:p14="http://schemas.microsoft.com/office/powerpoint/2010/main" val="1338094063"/>
+        <p14:creationId xmlns:p14="http://schemas.microsoft.com/office/powerpoint/2010/main" val="739552411"/>
       </p:ext>
     </p:extLst>
   </p:cSld>
@@ -2382,13 +2162,7 @@
       </p:grpSpPr>
       <p:sp>
         <p:nvSpPr>
-          <p:cNvPr id="2" name="Title 1">
-            <a:extLst>
-              <a:ext uri="{FF2B5EF4-FFF2-40B4-BE49-F238E27FC236}">
-                <a16:creationId xmlns:a16="http://schemas.microsoft.com/office/drawing/2014/main" id="{6E429C4E-6AEA-4EFF-BEBE-625CFB0297A0}"/>
-              </a:ext>
-            </a:extLst>
-          </p:cNvPr>
+          <p:cNvPr id="2" name="Title 1"/>
           <p:cNvSpPr>
             <a:spLocks noGrp="1"/>
           </p:cNvSpPr>
@@ -2414,18 +2188,13 @@
               <a:rPr lang="en-US"/>
               <a:t>Click to edit Master title style</a:t>
             </a:r>
-          </a:p>
-        </p:txBody>
-      </p:sp>
-      <p:sp>
-        <p:nvSpPr>
-          <p:cNvPr id="3" name="Content Placeholder 2">
-            <a:extLst>
-              <a:ext uri="{FF2B5EF4-FFF2-40B4-BE49-F238E27FC236}">
-                <a16:creationId xmlns:a16="http://schemas.microsoft.com/office/drawing/2014/main" id="{635A9D40-2828-4AAC-9E70-11B633DF62E4}"/>
-              </a:ext>
-            </a:extLst>
-          </p:cNvPr>
+            <a:endParaRPr lang="en-US" dirty="0"/>
+          </a:p>
+        </p:txBody>
+      </p:sp>
+      <p:sp>
+        <p:nvSpPr>
+          <p:cNvPr id="3" name="Content Placeholder 2"/>
           <p:cNvSpPr>
             <a:spLocks noGrp="1"/>
           </p:cNvSpPr>
@@ -2504,18 +2273,13 @@
               <a:rPr lang="en-US"/>
               <a:t>Fifth level</a:t>
             </a:r>
-          </a:p>
-        </p:txBody>
-      </p:sp>
-      <p:sp>
-        <p:nvSpPr>
-          <p:cNvPr id="4" name="Text Placeholder 3">
-            <a:extLst>
-              <a:ext uri="{FF2B5EF4-FFF2-40B4-BE49-F238E27FC236}">
-                <a16:creationId xmlns:a16="http://schemas.microsoft.com/office/drawing/2014/main" id="{92ED3C1D-0A0C-49DA-A603-E7FBC25B5B59}"/>
-              </a:ext>
-            </a:extLst>
-          </p:cNvPr>
+            <a:endParaRPr lang="en-US" dirty="0"/>
+          </a:p>
+        </p:txBody>
+      </p:sp>
+      <p:sp>
+        <p:nvSpPr>
+          <p:cNvPr id="4" name="Text Placeholder 3"/>
           <p:cNvSpPr>
             <a:spLocks noGrp="1"/>
           </p:cNvSpPr>
@@ -2580,13 +2344,7 @@
       </p:sp>
       <p:sp>
         <p:nvSpPr>
-          <p:cNvPr id="5" name="Date Placeholder 4">
-            <a:extLst>
-              <a:ext uri="{FF2B5EF4-FFF2-40B4-BE49-F238E27FC236}">
-                <a16:creationId xmlns:a16="http://schemas.microsoft.com/office/drawing/2014/main" id="{DD8C73AD-A951-4785-B48E-8E8AA0F6A688}"/>
-              </a:ext>
-            </a:extLst>
-          </p:cNvPr>
+          <p:cNvPr id="5" name="Date Placeholder 4"/>
           <p:cNvSpPr>
             <a:spLocks noGrp="1"/>
           </p:cNvSpPr>
@@ -2601,7 +2359,7 @@
           <a:p>
             <a:fld id="{40938BAB-1D93-430F-940B-8D8E865CD043}" type="datetimeFigureOut">
               <a:rPr lang="en-US" smtClean="0"/>
-              <a:t>7/3/2018</a:t>
+              <a:t>7/7/18</a:t>
             </a:fld>
             <a:endParaRPr lang="en-US"/>
           </a:p>
@@ -2609,13 +2367,7 @@
       </p:sp>
       <p:sp>
         <p:nvSpPr>
-          <p:cNvPr id="6" name="Footer Placeholder 5">
-            <a:extLst>
-              <a:ext uri="{FF2B5EF4-FFF2-40B4-BE49-F238E27FC236}">
-                <a16:creationId xmlns:a16="http://schemas.microsoft.com/office/drawing/2014/main" id="{4547516F-4334-41D4-9C82-78D6789071C4}"/>
-              </a:ext>
-            </a:extLst>
-          </p:cNvPr>
+          <p:cNvPr id="6" name="Footer Placeholder 5"/>
           <p:cNvSpPr>
             <a:spLocks noGrp="1"/>
           </p:cNvSpPr>
@@ -2634,13 +2386,7 @@
       </p:sp>
       <p:sp>
         <p:nvSpPr>
-          <p:cNvPr id="7" name="Slide Number Placeholder 6">
-            <a:extLst>
-              <a:ext uri="{FF2B5EF4-FFF2-40B4-BE49-F238E27FC236}">
-                <a16:creationId xmlns:a16="http://schemas.microsoft.com/office/drawing/2014/main" id="{859ED7E4-3172-4E26-920A-EDE10F04C0D8}"/>
-              </a:ext>
-            </a:extLst>
-          </p:cNvPr>
+          <p:cNvPr id="7" name="Slide Number Placeholder 6"/>
           <p:cNvSpPr>
             <a:spLocks noGrp="1"/>
           </p:cNvSpPr>
@@ -2664,7 +2410,7 @@
     </p:spTree>
     <p:extLst>
       <p:ext uri="{BB962C8B-B14F-4D97-AF65-F5344CB8AC3E}">
-        <p14:creationId xmlns:p14="http://schemas.microsoft.com/office/powerpoint/2010/main" val="773068781"/>
+        <p14:creationId xmlns:p14="http://schemas.microsoft.com/office/powerpoint/2010/main" val="3726966307"/>
       </p:ext>
     </p:extLst>
   </p:cSld>
@@ -2693,13 +2439,7 @@
       </p:grpSpPr>
       <p:sp>
         <p:nvSpPr>
-          <p:cNvPr id="2" name="Title 1">
-            <a:extLst>
-              <a:ext uri="{FF2B5EF4-FFF2-40B4-BE49-F238E27FC236}">
-                <a16:creationId xmlns:a16="http://schemas.microsoft.com/office/drawing/2014/main" id="{99FB6AA2-3F81-4E3A-8C2C-553EC08F3B2A}"/>
-              </a:ext>
-            </a:extLst>
-          </p:cNvPr>
+          <p:cNvPr id="2" name="Title 1"/>
           <p:cNvSpPr>
             <a:spLocks noGrp="1"/>
           </p:cNvSpPr>
@@ -2725,20 +2465,15 @@
               <a:rPr lang="en-US"/>
               <a:t>Click to edit Master title style</a:t>
             </a:r>
-          </a:p>
-        </p:txBody>
-      </p:sp>
-      <p:sp>
-        <p:nvSpPr>
-          <p:cNvPr id="3" name="Picture Placeholder 2">
-            <a:extLst>
-              <a:ext uri="{FF2B5EF4-FFF2-40B4-BE49-F238E27FC236}">
-                <a16:creationId xmlns:a16="http://schemas.microsoft.com/office/drawing/2014/main" id="{3F26CBC1-2A52-43F9-919C-E1E7D22D39BF}"/>
-              </a:ext>
-            </a:extLst>
-          </p:cNvPr>
-          <p:cNvSpPr>
-            <a:spLocks noGrp="1"/>
+            <a:endParaRPr lang="en-US" dirty="0"/>
+          </a:p>
+        </p:txBody>
+      </p:sp>
+      <p:sp>
+        <p:nvSpPr>
+          <p:cNvPr id="3" name="Picture Placeholder 2"/>
+          <p:cNvSpPr>
+            <a:spLocks noGrp="1" noChangeAspect="1"/>
           </p:cNvSpPr>
           <p:nvPr>
             <p:ph type="pic" idx="1"/>
@@ -2751,7 +2486,7 @@
           </a:xfrm>
         </p:spPr>
         <p:txBody>
-          <a:bodyPr/>
+          <a:bodyPr anchor="t"/>
           <a:lstStyle>
             <a:lvl1pPr marL="0" indent="0">
               <a:buNone/>
@@ -2795,18 +2530,13 @@
               <a:rPr lang="en-US"/>
               <a:t>Click icon to add picture</a:t>
             </a:r>
-          </a:p>
-        </p:txBody>
-      </p:sp>
-      <p:sp>
-        <p:nvSpPr>
-          <p:cNvPr id="4" name="Text Placeholder 3">
-            <a:extLst>
-              <a:ext uri="{FF2B5EF4-FFF2-40B4-BE49-F238E27FC236}">
-                <a16:creationId xmlns:a16="http://schemas.microsoft.com/office/drawing/2014/main" id="{3D1296B0-B2BF-48CA-9BFB-EF4F1DEE9314}"/>
-              </a:ext>
-            </a:extLst>
-          </p:cNvPr>
+            <a:endParaRPr lang="en-US" dirty="0"/>
+          </a:p>
+        </p:txBody>
+      </p:sp>
+      <p:sp>
+        <p:nvSpPr>
+          <p:cNvPr id="4" name="Text Placeholder 3"/>
           <p:cNvSpPr>
             <a:spLocks noGrp="1"/>
           </p:cNvSpPr>
@@ -2871,13 +2601,7 @@
       </p:sp>
       <p:sp>
         <p:nvSpPr>
-          <p:cNvPr id="5" name="Date Placeholder 4">
-            <a:extLst>
-              <a:ext uri="{FF2B5EF4-FFF2-40B4-BE49-F238E27FC236}">
-                <a16:creationId xmlns:a16="http://schemas.microsoft.com/office/drawing/2014/main" id="{1CAC78E8-49BD-4E07-90DF-1E3A8C5115A4}"/>
-              </a:ext>
-            </a:extLst>
-          </p:cNvPr>
+          <p:cNvPr id="5" name="Date Placeholder 4"/>
           <p:cNvSpPr>
             <a:spLocks noGrp="1"/>
           </p:cNvSpPr>
@@ -2892,7 +2616,7 @@
           <a:p>
             <a:fld id="{40938BAB-1D93-430F-940B-8D8E865CD043}" type="datetimeFigureOut">
               <a:rPr lang="en-US" smtClean="0"/>
-              <a:t>7/3/2018</a:t>
+              <a:t>7/7/18</a:t>
             </a:fld>
             <a:endParaRPr lang="en-US"/>
           </a:p>
@@ -2900,13 +2624,7 @@
       </p:sp>
       <p:sp>
         <p:nvSpPr>
-          <p:cNvPr id="6" name="Footer Placeholder 5">
-            <a:extLst>
-              <a:ext uri="{FF2B5EF4-FFF2-40B4-BE49-F238E27FC236}">
-                <a16:creationId xmlns:a16="http://schemas.microsoft.com/office/drawing/2014/main" id="{27F01ED8-9E76-4425-BBF0-4DC9A97AA68C}"/>
-              </a:ext>
-            </a:extLst>
-          </p:cNvPr>
+          <p:cNvPr id="6" name="Footer Placeholder 5"/>
           <p:cNvSpPr>
             <a:spLocks noGrp="1"/>
           </p:cNvSpPr>
@@ -2925,13 +2643,7 @@
       </p:sp>
       <p:sp>
         <p:nvSpPr>
-          <p:cNvPr id="7" name="Slide Number Placeholder 6">
-            <a:extLst>
-              <a:ext uri="{FF2B5EF4-FFF2-40B4-BE49-F238E27FC236}">
-                <a16:creationId xmlns:a16="http://schemas.microsoft.com/office/drawing/2014/main" id="{8DA731A4-3EC4-403D-8E08-DE48211EE121}"/>
-              </a:ext>
-            </a:extLst>
-          </p:cNvPr>
+          <p:cNvPr id="7" name="Slide Number Placeholder 6"/>
           <p:cNvSpPr>
             <a:spLocks noGrp="1"/>
           </p:cNvSpPr>
@@ -2955,7 +2667,7 @@
     </p:spTree>
     <p:extLst>
       <p:ext uri="{BB962C8B-B14F-4D97-AF65-F5344CB8AC3E}">
-        <p14:creationId xmlns:p14="http://schemas.microsoft.com/office/powerpoint/2010/main" val="2776098163"/>
+        <p14:creationId xmlns:p14="http://schemas.microsoft.com/office/powerpoint/2010/main" val="4009806211"/>
       </p:ext>
     </p:extLst>
   </p:cSld>
@@ -2989,13 +2701,7 @@
       </p:grpSpPr>
       <p:sp>
         <p:nvSpPr>
-          <p:cNvPr id="2" name="Title Placeholder 1">
-            <a:extLst>
-              <a:ext uri="{FF2B5EF4-FFF2-40B4-BE49-F238E27FC236}">
-                <a16:creationId xmlns:a16="http://schemas.microsoft.com/office/drawing/2014/main" id="{8A59D360-E819-4BC4-8082-77291F33051B}"/>
-              </a:ext>
-            </a:extLst>
-          </p:cNvPr>
+          <p:cNvPr id="2" name="Title Placeholder 1"/>
           <p:cNvSpPr>
             <a:spLocks noGrp="1"/>
           </p:cNvSpPr>
@@ -3022,18 +2728,13 @@
               <a:rPr lang="en-US"/>
               <a:t>Click to edit Master title style</a:t>
             </a:r>
-          </a:p>
-        </p:txBody>
-      </p:sp>
-      <p:sp>
-        <p:nvSpPr>
-          <p:cNvPr id="3" name="Text Placeholder 2">
-            <a:extLst>
-              <a:ext uri="{FF2B5EF4-FFF2-40B4-BE49-F238E27FC236}">
-                <a16:creationId xmlns:a16="http://schemas.microsoft.com/office/drawing/2014/main" id="{03D3ABC1-2120-4AD1-AB55-858CC95B52F8}"/>
-              </a:ext>
-            </a:extLst>
-          </p:cNvPr>
+            <a:endParaRPr lang="en-US" dirty="0"/>
+          </a:p>
+        </p:txBody>
+      </p:sp>
+      <p:sp>
+        <p:nvSpPr>
+          <p:cNvPr id="3" name="Text Placeholder 2"/>
           <p:cNvSpPr>
             <a:spLocks noGrp="1"/>
           </p:cNvSpPr>
@@ -3089,18 +2790,13 @@
               <a:rPr lang="en-US"/>
               <a:t>Fifth level</a:t>
             </a:r>
-          </a:p>
-        </p:txBody>
-      </p:sp>
-      <p:sp>
-        <p:nvSpPr>
-          <p:cNvPr id="4" name="Date Placeholder 3">
-            <a:extLst>
-              <a:ext uri="{FF2B5EF4-FFF2-40B4-BE49-F238E27FC236}">
-                <a16:creationId xmlns:a16="http://schemas.microsoft.com/office/drawing/2014/main" id="{16C467A7-A1E7-46FA-B2D2-2E8D0074850A}"/>
-              </a:ext>
-            </a:extLst>
-          </p:cNvPr>
+            <a:endParaRPr lang="en-US" dirty="0"/>
+          </a:p>
+        </p:txBody>
+      </p:sp>
+      <p:sp>
+        <p:nvSpPr>
+          <p:cNvPr id="4" name="Date Placeholder 3"/>
           <p:cNvSpPr>
             <a:spLocks noGrp="1"/>
           </p:cNvSpPr>
@@ -3133,7 +2829,7 @@
           <a:p>
             <a:fld id="{40938BAB-1D93-430F-940B-8D8E865CD043}" type="datetimeFigureOut">
               <a:rPr lang="en-US" smtClean="0"/>
-              <a:t>7/3/2018</a:t>
+              <a:t>7/7/18</a:t>
             </a:fld>
             <a:endParaRPr lang="en-US"/>
           </a:p>
@@ -3141,13 +2837,7 @@
       </p:sp>
       <p:sp>
         <p:nvSpPr>
-          <p:cNvPr id="5" name="Footer Placeholder 4">
-            <a:extLst>
-              <a:ext uri="{FF2B5EF4-FFF2-40B4-BE49-F238E27FC236}">
-                <a16:creationId xmlns:a16="http://schemas.microsoft.com/office/drawing/2014/main" id="{E69E41E4-4B2F-4908-B530-221C2FDB8DF6}"/>
-              </a:ext>
-            </a:extLst>
-          </p:cNvPr>
+          <p:cNvPr id="5" name="Footer Placeholder 4"/>
           <p:cNvSpPr>
             <a:spLocks noGrp="1"/>
           </p:cNvSpPr>
@@ -3184,13 +2874,7 @@
       </p:sp>
       <p:sp>
         <p:nvSpPr>
-          <p:cNvPr id="6" name="Slide Number Placeholder 5">
-            <a:extLst>
-              <a:ext uri="{FF2B5EF4-FFF2-40B4-BE49-F238E27FC236}">
-                <a16:creationId xmlns:a16="http://schemas.microsoft.com/office/drawing/2014/main" id="{F0287D4C-A6B1-4368-8B50-AE28EDE95DC6}"/>
-              </a:ext>
-            </a:extLst>
-          </p:cNvPr>
+          <p:cNvPr id="6" name="Slide Number Placeholder 5"/>
           <p:cNvSpPr>
             <a:spLocks noGrp="1"/>
           </p:cNvSpPr>
@@ -3232,24 +2916,24 @@
     </p:spTree>
     <p:extLst>
       <p:ext uri="{BB962C8B-B14F-4D97-AF65-F5344CB8AC3E}">
-        <p14:creationId xmlns:p14="http://schemas.microsoft.com/office/powerpoint/2010/main" val="2231685769"/>
+        <p14:creationId xmlns:p14="http://schemas.microsoft.com/office/powerpoint/2010/main" val="2025968118"/>
       </p:ext>
     </p:extLst>
   </p:cSld>
-  <p:clrMap bg1="lt1" tx1="dk1" bg2="lt2" tx2="dk2" accent1="accent1" accent2="accent2" accent3="accent3" accent4="accent4" accent5="accent5" accent6="accent6" hlink="hlink" folHlink="folHlink"/>
+  <p:clrMap bg1="dk1" tx1="lt1" bg2="dk2" tx2="lt2" accent1="accent1" accent2="accent2" accent3="accent3" accent4="accent4" accent5="accent5" accent6="accent6" hlink="hlink" folHlink="folHlink"/>
   <p:sldLayoutIdLst>
-    <p:sldLayoutId id="2147483649" r:id="rId1"/>
-    <p:sldLayoutId id="2147483650" r:id="rId2"/>
-    <p:sldLayoutId id="2147483651" r:id="rId3"/>
-    <p:sldLayoutId id="2147483652" r:id="rId4"/>
-    <p:sldLayoutId id="2147483653" r:id="rId5"/>
-    <p:sldLayoutId id="2147483654" r:id="rId6"/>
-    <p:sldLayoutId id="2147483655" r:id="rId7"/>
-    <p:sldLayoutId id="2147483656" r:id="rId8"/>
-    <p:sldLayoutId id="2147483657" r:id="rId9"/>
-    <p:sldLayoutId id="2147483658" r:id="rId10"/>
-    <p:sldLayoutId id="2147483659" r:id="rId11"/>
-    <p:sldLayoutId id="2147483660" r:id="rId12"/>
+    <p:sldLayoutId id="2147483662" r:id="rId1"/>
+    <p:sldLayoutId id="2147483663" r:id="rId2"/>
+    <p:sldLayoutId id="2147483664" r:id="rId3"/>
+    <p:sldLayoutId id="2147483665" r:id="rId4"/>
+    <p:sldLayoutId id="2147483666" r:id="rId5"/>
+    <p:sldLayoutId id="2147483667" r:id="rId6"/>
+    <p:sldLayoutId id="2147483668" r:id="rId7"/>
+    <p:sldLayoutId id="2147483669" r:id="rId8"/>
+    <p:sldLayoutId id="2147483670" r:id="rId9"/>
+    <p:sldLayoutId id="2147483671" r:id="rId10"/>
+    <p:sldLayoutId id="2147483672" r:id="rId11"/>
+    <p:sldLayoutId id="2147483673" r:id="rId12"/>
   </p:sldLayoutIdLst>
   <p:txStyles>
     <p:titleStyle>
@@ -5861,21 +5545,21 @@
           <a:p>
             <a:pPr lvl="0"/>
             <a:r>
-              <a:rPr lang="en-US"/>
+              <a:rPr lang="en-US" dirty="0"/>
               <a:t>I see the work of Your Hands</a:t>
             </a:r>
           </a:p>
           <a:p>
             <a:pPr lvl="0"/>
             <a:r>
-              <a:rPr lang="en-US"/>
+              <a:rPr lang="en-US" dirty="0"/>
               <a:t>Galaxies spin in a Heavenly dance oh God</a:t>
             </a:r>
           </a:p>
           <a:p>
             <a:pPr lvl="0"/>
             <a:r>
-              <a:rPr lang="en-US"/>
+              <a:rPr lang="en-US" dirty="0"/>
               <a:t>All that You are is so overwhelming</a:t>
             </a:r>
           </a:p>
@@ -6503,7 +6187,7 @@
 <file path=ppt/theme/theme1.xml><?xml version="1.0" encoding="utf-8"?>
 <a:theme xmlns:a="http://schemas.openxmlformats.org/drawingml/2006/main" name="Office Theme">
   <a:themeElements>
-    <a:clrScheme name="Office">
+    <a:clrScheme name="Office Theme">
       <a:dk1>
         <a:sysClr val="windowText" lastClr="000000"/>
       </a:dk1>
@@ -6541,7 +6225,7 @@
         <a:srgbClr val="954F72"/>
       </a:folHlink>
     </a:clrScheme>
-    <a:fontScheme name="Office">
+    <a:fontScheme name="Office Theme">
       <a:majorFont>
         <a:latin typeface="Calibri Light" panose="020F0302020204030204"/>
         <a:ea typeface=""/>
@@ -6576,23 +6260,6 @@
         <a:font script="Viet" typeface="Times New Roman"/>
         <a:font script="Uigh" typeface="Microsoft Uighur"/>
         <a:font script="Geor" typeface="Sylfaen"/>
-        <a:font script="Armn" typeface="Arial"/>
-        <a:font script="Bugi" typeface="Leelawadee UI"/>
-        <a:font script="Bopo" typeface="Microsoft JhengHei"/>
-        <a:font script="Java" typeface="Javanese Text"/>
-        <a:font script="Lisu" typeface="Segoe UI"/>
-        <a:font script="Mymr" typeface="Myanmar Text"/>
-        <a:font script="Nkoo" typeface="Ebrima"/>
-        <a:font script="Olck" typeface="Nirmala UI"/>
-        <a:font script="Osma" typeface="Ebrima"/>
-        <a:font script="Phag" typeface="Phagspa"/>
-        <a:font script="Syrn" typeface="Estrangelo Edessa"/>
-        <a:font script="Syrj" typeface="Estrangelo Edessa"/>
-        <a:font script="Syre" typeface="Estrangelo Edessa"/>
-        <a:font script="Sora" typeface="Nirmala UI"/>
-        <a:font script="Tale" typeface="Microsoft Tai Le"/>
-        <a:font script="Talu" typeface="Microsoft New Tai Lue"/>
-        <a:font script="Tfng" typeface="Ebrima"/>
       </a:majorFont>
       <a:minorFont>
         <a:latin typeface="Calibri" panose="020F0502020204030204"/>
@@ -6628,26 +6295,9 @@
         <a:font script="Viet" typeface="Arial"/>
         <a:font script="Uigh" typeface="Microsoft Uighur"/>
         <a:font script="Geor" typeface="Sylfaen"/>
-        <a:font script="Armn" typeface="Arial"/>
-        <a:font script="Bugi" typeface="Leelawadee UI"/>
-        <a:font script="Bopo" typeface="Microsoft JhengHei"/>
-        <a:font script="Java" typeface="Javanese Text"/>
-        <a:font script="Lisu" typeface="Segoe UI"/>
-        <a:font script="Mymr" typeface="Myanmar Text"/>
-        <a:font script="Nkoo" typeface="Ebrima"/>
-        <a:font script="Olck" typeface="Nirmala UI"/>
-        <a:font script="Osma" typeface="Ebrima"/>
-        <a:font script="Phag" typeface="Phagspa"/>
-        <a:font script="Syrn" typeface="Estrangelo Edessa"/>
-        <a:font script="Syrj" typeface="Estrangelo Edessa"/>
-        <a:font script="Syre" typeface="Estrangelo Edessa"/>
-        <a:font script="Sora" typeface="Nirmala UI"/>
-        <a:font script="Tale" typeface="Microsoft Tai Le"/>
-        <a:font script="Talu" typeface="Microsoft New Tai Lue"/>
-        <a:font script="Tfng" typeface="Ebrima"/>
       </a:minorFont>
     </a:fontScheme>
-    <a:fmtScheme name="Office">
+    <a:fmtScheme name="Office Theme">
       <a:fillStyleLst>
         <a:solidFill>
           <a:schemeClr val="phClr"/>
@@ -6789,7 +6439,7 @@
   <a:extraClrSchemeLst/>
   <a:extLst>
     <a:ext uri="{05A4C25C-085E-4340-85A3-A5531E510DB2}">
-      <thm15:themeFamily xmlns:thm15="http://schemas.microsoft.com/office/thememl/2012/main" name="Office Theme" id="{62F939B6-93AF-4DB8-9C6B-D6C7DFDC589F}" vid="{4A3C46E8-61CC-4603-A589-7422A47A8E4A}"/>
+      <thm15:themeFamily xmlns:thm15="http://schemas.microsoft.com/office/thememl/2012/main" name="Office Theme" id="{62F939B6-93AF-4DB8-9C6B-D6C7DFDC589F}" vid="{4F46216B-77A9-411A-B9D3-5023FCB70208}"/>
     </a:ext>
   </a:extLst>
 </a:theme>
